--- a/MyPersonalBankAPI/docs/R8 - Reto Caso Práctico [Equipo 2] - MyPersonalBank API.pptx
+++ b/MyPersonalBankAPI/docs/R8 - Reto Caso Práctico [Equipo 2] - MyPersonalBank API.pptx
@@ -186,7 +186,7 @@
           <a:p>
             <a:fld id="{1D8BD707-D9CF-40AE-B4C6-C98DA3205C09}" type="datetimeFigureOut">
               <a:rPr lang="en-US"/>
-              <a:t>2/18/2024</a:t>
+              <a:t>2/21/2024</a:t>
             </a:fld>
             <a:endParaRPr lang="en-US"/>
           </a:p>
@@ -458,7 +458,7 @@
           <a:p>
             <a:fld id="{1D8BD707-D9CF-40AE-B4C6-C98DA3205C09}" type="datetimeFigureOut">
               <a:rPr lang="en-US"/>
-              <a:t>2/18/2024</a:t>
+              <a:t>2/21/2024</a:t>
             </a:fld>
             <a:endParaRPr lang="en-US"/>
           </a:p>
@@ -806,7 +806,7 @@
           <a:p>
             <a:fld id="{1D8BD707-D9CF-40AE-B4C6-C98DA3205C09}" type="datetimeFigureOut">
               <a:rPr lang="en-US"/>
-              <a:t>2/18/2024</a:t>
+              <a:t>2/21/2024</a:t>
             </a:fld>
             <a:endParaRPr lang="en-US"/>
           </a:p>
@@ -2910,7 +2910,7 @@
           <a:p>
             <a:fld id="{1D8BD707-D9CF-40AE-B4C6-C98DA3205C09}" type="datetimeFigureOut">
               <a:rPr lang="en-US"/>
-              <a:t>2/18/2024</a:t>
+              <a:t>2/21/2024</a:t>
             </a:fld>
             <a:endParaRPr lang="en-US"/>
           </a:p>
@@ -4293,7 +4293,7 @@
           <a:p>
             <a:fld id="{101F0A06-FD9F-406F-98C7-9C5E6D949568}" type="datetimeFigureOut">
               <a:rPr lang="es-ES" smtClean="0"/>
-              <a:t>18/02/2024</a:t>
+              <a:t>21/02/2024</a:t>
             </a:fld>
             <a:endParaRPr lang="es-ES"/>
           </a:p>
@@ -4483,7 +4483,7 @@
           <a:p>
             <a:fld id="{1D8BD707-D9CF-40AE-B4C6-C98DA3205C09}" type="datetimeFigureOut">
               <a:rPr lang="en-US"/>
-              <a:t>2/18/2024</a:t>
+              <a:t>2/21/2024</a:t>
             </a:fld>
             <a:endParaRPr lang="en-US"/>
           </a:p>
@@ -4711,7 +4711,7 @@
           <a:p>
             <a:fld id="{1D8BD707-D9CF-40AE-B4C6-C98DA3205C09}" type="datetimeFigureOut">
               <a:rPr lang="en-US"/>
-              <a:t>2/18/2024</a:t>
+              <a:t>2/21/2024</a:t>
             </a:fld>
             <a:endParaRPr lang="en-US"/>
           </a:p>
@@ -4926,7 +4926,7 @@
           <a:p>
             <a:fld id="{1D8BD707-D9CF-40AE-B4C6-C98DA3205C09}" type="datetimeFigureOut">
               <a:rPr lang="en-US"/>
-              <a:t>2/18/2024</a:t>
+              <a:t>2/21/2024</a:t>
             </a:fld>
             <a:endParaRPr lang="en-US"/>
           </a:p>
@@ -5054,7 +5054,7 @@
           <a:p>
             <a:fld id="{1D8BD707-D9CF-40AE-B4C6-C98DA3205C09}" type="datetimeFigureOut">
               <a:rPr lang="en-US"/>
-              <a:t>2/18/2024</a:t>
+              <a:t>2/21/2024</a:t>
             </a:fld>
             <a:endParaRPr lang="en-US"/>
           </a:p>
@@ -5512,7 +5512,7 @@
           <a:p>
             <a:fld id="{1D8BD707-D9CF-40AE-B4C6-C98DA3205C09}" type="datetimeFigureOut">
               <a:rPr lang="en-US"/>
-              <a:t>2/18/2024</a:t>
+              <a:t>2/21/2024</a:t>
             </a:fld>
             <a:endParaRPr lang="en-US"/>
           </a:p>
@@ -5723,7 +5723,7 @@
           <a:p>
             <a:fld id="{1D8BD707-D9CF-40AE-B4C6-C98DA3205C09}" type="datetimeFigureOut">
               <a:rPr lang="en-US"/>
-              <a:t>2/18/2024</a:t>
+              <a:t>2/21/2024</a:t>
             </a:fld>
             <a:endParaRPr lang="en-US"/>
           </a:p>
@@ -5977,7 +5977,7 @@
           <a:p>
             <a:fld id="{1D8BD707-D9CF-40AE-B4C6-C98DA3205C09}" type="datetimeFigureOut">
               <a:rPr lang="en-US"/>
-              <a:t>2/18/2024</a:t>
+              <a:t>2/21/2024</a:t>
             </a:fld>
             <a:endParaRPr lang="en-US"/>
           </a:p>
@@ -6205,7 +6205,7 @@
           <a:p>
             <a:fld id="{1D8BD707-D9CF-40AE-B4C6-C98DA3205C09}" type="datetimeFigureOut">
               <a:rPr lang="en-US"/>
-              <a:t>2/18/2024</a:t>
+              <a:t>2/21/2024</a:t>
             </a:fld>
             <a:endParaRPr lang="en-US"/>
           </a:p>
@@ -6625,7 +6625,7 @@
           <a:p>
             <a:fld id="{1D8BD707-D9CF-40AE-B4C6-C98DA3205C09}" type="datetimeFigureOut">
               <a:rPr lang="en-US"/>
-              <a:t>2/18/2024</a:t>
+              <a:t>2/21/2024</a:t>
             </a:fld>
             <a:endParaRPr lang="en-US"/>
           </a:p>
@@ -9427,7 +9427,7 @@
         <p:spPr>
           <a:xfrm>
             <a:off x="567639" y="1129664"/>
-            <a:ext cx="10311130" cy="1270220"/>
+            <a:ext cx="10311130" cy="5271315"/>
           </a:xfrm>
           <a:prstGeom prst="rect">
             <a:avLst/>
@@ -9452,7 +9452,24 @@
                 <a:latin typeface="Tahoma"/>
                 <a:cs typeface="Tahoma"/>
               </a:rPr>
-              <a:t>¡Súper! Tenemos la magia de Spring para JPA incorporada en nuestra aplicación.</a:t>
+              <a:t>El cliente ha quedado sorprendido con el resultado y ¡en tan poco tiempo!. Pero se ha dado cuenta que necesitamos centrarnos en el objetivo original del proyecto, crear una API.</a:t>
+            </a:r>
+          </a:p>
+          <a:p>
+            <a:pPr marL="12700" algn="just">
+              <a:lnSpc>
+                <a:spcPct val="100000"/>
+              </a:lnSpc>
+              <a:spcBef>
+                <a:spcPts val="105"/>
+              </a:spcBef>
+            </a:pPr>
+            <a:r>
+              <a:rPr lang="es-ES" sz="2000" dirty="0">
+                <a:latin typeface="Tahoma"/>
+                <a:cs typeface="Tahoma"/>
+              </a:rPr>
+              <a:t>Por ello nuestro siguiente paso es implementar la API para la aplicación.</a:t>
             </a:r>
           </a:p>
           <a:p>
@@ -9470,6 +9487,260 @@
             </a:endParaRPr>
           </a:p>
           <a:p>
+            <a:pPr marL="12700">
+              <a:lnSpc>
+                <a:spcPct val="100000"/>
+              </a:lnSpc>
+              <a:spcBef>
+                <a:spcPts val="105"/>
+              </a:spcBef>
+            </a:pPr>
+            <a:r>
+              <a:rPr lang="es-ES" sz="2000" dirty="0">
+                <a:latin typeface="Tahoma"/>
+                <a:cs typeface="Tahoma"/>
+              </a:rPr>
+              <a:t>Tú y tu equipo deberéis completar las historias no implementadas:</a:t>
+            </a:r>
+          </a:p>
+          <a:p>
+            <a:pPr marL="12700">
+              <a:lnSpc>
+                <a:spcPct val="100000"/>
+              </a:lnSpc>
+              <a:spcBef>
+                <a:spcPts val="105"/>
+              </a:spcBef>
+            </a:pPr>
+            <a:endParaRPr lang="es-ES" sz="2000" dirty="0">
+              <a:latin typeface="Tahoma"/>
+              <a:cs typeface="Tahoma"/>
+            </a:endParaRPr>
+          </a:p>
+          <a:p>
+            <a:pPr marL="355600" indent="-342900">
+              <a:lnSpc>
+                <a:spcPct val="100000"/>
+              </a:lnSpc>
+              <a:spcBef>
+                <a:spcPts val="105"/>
+              </a:spcBef>
+              <a:buFont typeface="Arial" panose="020B0604020202020204" pitchFamily="34" charset="0"/>
+              <a:buChar char="•"/>
+            </a:pPr>
+            <a:r>
+              <a:rPr lang="es-ES" sz="2000" dirty="0">
+                <a:latin typeface="Tahoma"/>
+                <a:cs typeface="Tahoma"/>
+              </a:rPr>
+              <a:t>Definir la API según requisitos del cliente.</a:t>
+            </a:r>
+          </a:p>
+          <a:p>
+            <a:pPr marL="355600" indent="-342900">
+              <a:lnSpc>
+                <a:spcPct val="100000"/>
+              </a:lnSpc>
+              <a:spcBef>
+                <a:spcPts val="105"/>
+              </a:spcBef>
+              <a:buFont typeface="Arial" panose="020B0604020202020204" pitchFamily="34" charset="0"/>
+              <a:buChar char="•"/>
+            </a:pPr>
+            <a:r>
+              <a:rPr lang="es-ES" sz="2000" dirty="0">
+                <a:latin typeface="Tahoma"/>
+                <a:cs typeface="Tahoma"/>
+              </a:rPr>
+              <a:t>Definir las reglas de las transacciones que apliquen en el proyecto.</a:t>
+            </a:r>
+          </a:p>
+          <a:p>
+            <a:pPr marL="355600" indent="-342900">
+              <a:lnSpc>
+                <a:spcPct val="100000"/>
+              </a:lnSpc>
+              <a:spcBef>
+                <a:spcPts val="105"/>
+              </a:spcBef>
+              <a:buFont typeface="Arial" panose="020B0604020202020204" pitchFamily="34" charset="0"/>
+              <a:buChar char="•"/>
+            </a:pPr>
+            <a:r>
+              <a:rPr lang="es-ES" sz="2000" dirty="0">
+                <a:latin typeface="Tahoma"/>
+                <a:cs typeface="Tahoma"/>
+              </a:rPr>
+              <a:t>Refactorizar el proyecto para que sea una aplicación REST.</a:t>
+            </a:r>
+          </a:p>
+          <a:p>
+            <a:pPr marL="355600" indent="-342900">
+              <a:lnSpc>
+                <a:spcPct val="100000"/>
+              </a:lnSpc>
+              <a:spcBef>
+                <a:spcPts val="105"/>
+              </a:spcBef>
+              <a:buFont typeface="Arial" panose="020B0604020202020204" pitchFamily="34" charset="0"/>
+              <a:buChar char="•"/>
+            </a:pPr>
+            <a:r>
+              <a:rPr lang="es-ES" sz="2000" dirty="0">
+                <a:latin typeface="Tahoma"/>
+                <a:cs typeface="Tahoma"/>
+              </a:rPr>
+              <a:t>Añadir las dependencias necesarias.</a:t>
+            </a:r>
+          </a:p>
+          <a:p>
+            <a:pPr marL="355600" indent="-342900">
+              <a:lnSpc>
+                <a:spcPct val="100000"/>
+              </a:lnSpc>
+              <a:spcBef>
+                <a:spcPts val="105"/>
+              </a:spcBef>
+              <a:buFont typeface="Arial" panose="020B0604020202020204" pitchFamily="34" charset="0"/>
+              <a:buChar char="•"/>
+            </a:pPr>
+            <a:r>
+              <a:rPr lang="es-ES" sz="2000" dirty="0">
+                <a:latin typeface="Tahoma"/>
+                <a:cs typeface="Tahoma"/>
+              </a:rPr>
+              <a:t>Implementar la capa de vista.</a:t>
+            </a:r>
+          </a:p>
+          <a:p>
+            <a:pPr marL="355600" indent="-342900">
+              <a:lnSpc>
+                <a:spcPct val="100000"/>
+              </a:lnSpc>
+              <a:spcBef>
+                <a:spcPts val="105"/>
+              </a:spcBef>
+              <a:buFont typeface="Arial" panose="020B0604020202020204" pitchFamily="34" charset="0"/>
+              <a:buChar char="•"/>
+            </a:pPr>
+            <a:r>
+              <a:rPr lang="es-ES" sz="2000" spc="-10" dirty="0">
+                <a:solidFill>
+                  <a:schemeClr val="tx1"/>
+                </a:solidFill>
+                <a:latin typeface="Tahoma"/>
+                <a:cs typeface="Tahoma"/>
+              </a:rPr>
+              <a:t>Repositorio GitHub:</a:t>
+            </a:r>
+          </a:p>
+          <a:p>
+            <a:pPr marL="12700" algn="ctr">
+              <a:lnSpc>
+                <a:spcPct val="100000"/>
+              </a:lnSpc>
+              <a:spcBef>
+                <a:spcPts val="725"/>
+              </a:spcBef>
+              <a:tabLst>
+                <a:tab pos="240665" algn="l"/>
+                <a:tab pos="241300" algn="l"/>
+              </a:tabLst>
+            </a:pPr>
+            <a:r>
+              <a:rPr lang="es-ES" sz="2000" dirty="0">
+                <a:hlinkClick r:id="rId2"/>
+              </a:rPr>
+              <a:t>https://github.com/Juan-JosePresaDominguez/Reto8-MyPersonalBank-API.git</a:t>
+            </a:r>
+            <a:r>
+              <a:rPr lang="es-ES" sz="2000" dirty="0"/>
+              <a:t> </a:t>
+            </a:r>
+            <a:endParaRPr lang="pt-BR" sz="2000" dirty="0">
+              <a:solidFill>
+                <a:srgbClr val="0071B0"/>
+              </a:solidFill>
+              <a:highlight>
+                <a:srgbClr val="FCA838"/>
+              </a:highlight>
+            </a:endParaRPr>
+          </a:p>
+          <a:p>
+            <a:pPr marL="355600" indent="-342900">
+              <a:lnSpc>
+                <a:spcPct val="100000"/>
+              </a:lnSpc>
+              <a:spcBef>
+                <a:spcPts val="105"/>
+              </a:spcBef>
+              <a:buFont typeface="Arial" panose="020B0604020202020204" pitchFamily="34" charset="0"/>
+              <a:buChar char="•"/>
+            </a:pPr>
+            <a:r>
+              <a:rPr lang="es-ES" sz="2000" spc="-10" dirty="0">
+                <a:solidFill>
+                  <a:schemeClr val="tx1"/>
+                </a:solidFill>
+                <a:latin typeface="Tahoma"/>
+                <a:cs typeface="Tahoma"/>
+              </a:rPr>
+              <a:t>Documentación API </a:t>
+            </a:r>
+            <a:r>
+              <a:rPr lang="es-ES" sz="2000" spc="-10" dirty="0" err="1">
+                <a:solidFill>
+                  <a:schemeClr val="tx1"/>
+                </a:solidFill>
+                <a:latin typeface="Tahoma"/>
+                <a:cs typeface="Tahoma"/>
+              </a:rPr>
+              <a:t>Swagger</a:t>
+            </a:r>
+            <a:r>
+              <a:rPr lang="es-ES" sz="2000" spc="-10" dirty="0">
+                <a:solidFill>
+                  <a:schemeClr val="tx1"/>
+                </a:solidFill>
+                <a:latin typeface="Tahoma"/>
+                <a:cs typeface="Tahoma"/>
+              </a:rPr>
+              <a:t>:</a:t>
+            </a:r>
+          </a:p>
+          <a:p>
+            <a:pPr marL="12700" algn="ctr">
+              <a:lnSpc>
+                <a:spcPct val="100000"/>
+              </a:lnSpc>
+              <a:spcBef>
+                <a:spcPts val="725"/>
+              </a:spcBef>
+              <a:tabLst>
+                <a:tab pos="240665" algn="l"/>
+                <a:tab pos="241300" algn="l"/>
+              </a:tabLst>
+            </a:pPr>
+            <a:r>
+              <a:rPr lang="es-ES" sz="2000" dirty="0">
+                <a:hlinkClick r:id="rId3"/>
+              </a:rPr>
+              <a:t>http://localhost:9980/swagger-ui/index.html</a:t>
+            </a:r>
+            <a:r>
+              <a:rPr lang="es-ES" sz="2000" dirty="0"/>
+              <a:t>  </a:t>
+            </a:r>
+            <a:endParaRPr lang="pt-BR" sz="2000" dirty="0">
+              <a:solidFill>
+                <a:srgbClr val="0071B0"/>
+              </a:solidFill>
+              <a:highlight>
+                <a:srgbClr val="FCA838"/>
+              </a:highlight>
+            </a:endParaRPr>
+          </a:p>
+          <a:p>
             <a:pPr marL="12700" algn="just">
               <a:lnSpc>
                 <a:spcPct val="100000"/>
@@ -9478,13 +9749,6 @@
                 <a:spcPts val="105"/>
               </a:spcBef>
             </a:pPr>
-            <a:r>
-              <a:rPr lang="es-ES" sz="2000" dirty="0">
-                <a:latin typeface="Tahoma"/>
-                <a:cs typeface="Tahoma"/>
-              </a:rPr>
-              <a:t>Ahora necesitamos ir un paso más allá y usar la magia de Spring-Data para facilitar aún más la implementación de la capa de persistencia.</a:t>
-            </a:r>
             <a:endParaRPr sz="2000" dirty="0">
               <a:latin typeface="Tahoma"/>
               <a:cs typeface="Tahoma"/>
@@ -9567,7 +9831,7 @@
         <p:spPr>
           <a:xfrm>
             <a:off x="567638" y="280162"/>
-            <a:ext cx="3775761" cy="505267"/>
+            <a:ext cx="9643162" cy="505267"/>
           </a:xfrm>
           <a:prstGeom prst="rect">
             <a:avLst/>
@@ -9601,163 +9865,88 @@
                   <a:srgbClr val="009EDF"/>
                 </a:solidFill>
               </a:rPr>
-              <a:t> reto: R8</a:t>
+              <a:t> reto: R8 (Definición </a:t>
+            </a:r>
+            <a:r>
+              <a:rPr lang="es-ES" sz="3200" spc="-10" dirty="0" err="1">
+                <a:solidFill>
+                  <a:srgbClr val="009EDF"/>
+                </a:solidFill>
+              </a:rPr>
+              <a:t>MyPersonalBank</a:t>
+            </a:r>
+            <a:r>
+              <a:rPr lang="es-ES" sz="3200" spc="-10" dirty="0">
+                <a:solidFill>
+                  <a:srgbClr val="009EDF"/>
+                </a:solidFill>
+              </a:rPr>
+              <a:t> API)</a:t>
             </a:r>
             <a:endParaRPr sz="3200" dirty="0"/>
           </a:p>
         </p:txBody>
       </p:sp>
-      <p:sp>
-        <p:nvSpPr>
-          <p:cNvPr id="3" name="object 3"/>
-          <p:cNvSpPr txBox="1"/>
+      <p:pic>
+        <p:nvPicPr>
+          <p:cNvPr id="13" name="Imagen 12">
+            <a:extLst>
+              <a:ext uri="{FF2B5EF4-FFF2-40B4-BE49-F238E27FC236}">
+                <a16:creationId xmlns:a16="http://schemas.microsoft.com/office/drawing/2014/main" id="{A0F61C87-4B1B-FDC4-261B-8D56675B0CD3}"/>
+              </a:ext>
+            </a:extLst>
+          </p:cNvPr>
+          <p:cNvPicPr>
+            <a:picLocks noChangeAspect="1"/>
+          </p:cNvPicPr>
           <p:nvPr/>
-        </p:nvSpPr>
+        </p:nvPicPr>
+        <p:blipFill>
+          <a:blip r:embed="rId2"/>
+          <a:stretch>
+            <a:fillRect/>
+          </a:stretch>
+        </p:blipFill>
         <p:spPr>
           <a:xfrm>
-            <a:off x="567639" y="1129664"/>
-            <a:ext cx="10185400" cy="2001189"/>
+            <a:off x="0" y="1376619"/>
+            <a:ext cx="6060233" cy="4104762"/>
           </a:xfrm>
           <a:prstGeom prst="rect">
             <a:avLst/>
           </a:prstGeom>
         </p:spPr>
-        <p:txBody>
-          <a:bodyPr vert="horz" wrap="square" lIns="0" tIns="13335" rIns="0" bIns="0" rtlCol="0">
-            <a:spAutoFit/>
-          </a:bodyPr>
-          <a:lstStyle/>
-          <a:p>
-            <a:pPr marL="12700">
-              <a:lnSpc>
-                <a:spcPct val="100000"/>
-              </a:lnSpc>
-              <a:spcBef>
-                <a:spcPts val="105"/>
-              </a:spcBef>
-            </a:pPr>
-            <a:r>
-              <a:rPr lang="es-ES" sz="2000" dirty="0">
-                <a:latin typeface="Tahoma"/>
-                <a:cs typeface="Tahoma"/>
-              </a:rPr>
-              <a:t>Tú y tu equipo deberéis completar las historias no implementadas:</a:t>
-            </a:r>
-          </a:p>
-          <a:p>
-            <a:pPr marL="12700">
-              <a:lnSpc>
-                <a:spcPct val="100000"/>
-              </a:lnSpc>
-              <a:spcBef>
-                <a:spcPts val="105"/>
-              </a:spcBef>
-            </a:pPr>
-            <a:endParaRPr lang="es-ES" sz="2000" dirty="0">
-              <a:latin typeface="Tahoma"/>
-              <a:cs typeface="Tahoma"/>
-            </a:endParaRPr>
-          </a:p>
-          <a:p>
-            <a:pPr marL="355600" indent="-342900">
-              <a:lnSpc>
-                <a:spcPct val="100000"/>
-              </a:lnSpc>
-              <a:spcBef>
-                <a:spcPts val="105"/>
-              </a:spcBef>
-              <a:buFont typeface="Arial" panose="020B0604020202020204" pitchFamily="34" charset="0"/>
-              <a:buChar char="•"/>
-            </a:pPr>
-            <a:r>
-              <a:rPr lang="es-ES" sz="2000" dirty="0">
-                <a:latin typeface="Tahoma"/>
-                <a:cs typeface="Tahoma"/>
-              </a:rPr>
-              <a:t>Usando Spring-Data para implementar los repositorios.</a:t>
-            </a:r>
-          </a:p>
-          <a:p>
-            <a:pPr marL="355600" indent="-342900">
-              <a:lnSpc>
-                <a:spcPct val="100000"/>
-              </a:lnSpc>
-              <a:spcBef>
-                <a:spcPts val="105"/>
-              </a:spcBef>
-              <a:buFont typeface="Arial" panose="020B0604020202020204" pitchFamily="34" charset="0"/>
-              <a:buChar char="•"/>
-            </a:pPr>
-            <a:r>
-              <a:rPr lang="es-ES" sz="2000" dirty="0">
-                <a:latin typeface="Tahoma"/>
-                <a:cs typeface="Tahoma"/>
-              </a:rPr>
-              <a:t>Definir las reglas de las transacciones que apliquen en el proyecto.</a:t>
-            </a:r>
-          </a:p>
-          <a:p>
-            <a:pPr marL="355600" indent="-342900">
-              <a:lnSpc>
-                <a:spcPct val="100000"/>
-              </a:lnSpc>
-              <a:spcBef>
-                <a:spcPts val="105"/>
-              </a:spcBef>
-              <a:buFont typeface="Arial" panose="020B0604020202020204" pitchFamily="34" charset="0"/>
-              <a:buChar char="•"/>
-            </a:pPr>
-            <a:r>
-              <a:rPr lang="es-ES" sz="2000" spc="-10" dirty="0">
-                <a:solidFill>
-                  <a:schemeClr val="tx1"/>
-                </a:solidFill>
-                <a:latin typeface="Tahoma"/>
-                <a:cs typeface="Tahoma"/>
-              </a:rPr>
-              <a:t>Repositorio GitHub:</a:t>
-            </a:r>
-          </a:p>
-          <a:p>
-            <a:pPr marL="12700" algn="ctr">
-              <a:lnSpc>
-                <a:spcPct val="100000"/>
-              </a:lnSpc>
-              <a:spcBef>
-                <a:spcPts val="725"/>
-              </a:spcBef>
-              <a:tabLst>
-                <a:tab pos="240665" algn="l"/>
-                <a:tab pos="241300" algn="l"/>
-              </a:tabLst>
-            </a:pPr>
-            <a:r>
-              <a:rPr lang="es-ES" sz="2000" dirty="0">
-                <a:hlinkClick r:id="rId2"/>
-              </a:rPr>
-              <a:t>https://github.com/Juan-JosePresaDominguez/Reto8-MyPersonalBank-API</a:t>
-            </a:r>
-            <a:r>
-              <a:rPr lang="es-ES" sz="2000">
-                <a:hlinkClick r:id="rId2"/>
-              </a:rPr>
-              <a:t>.git</a:t>
-            </a:r>
-            <a:r>
-              <a:rPr lang="es-ES" sz="2000"/>
-              <a:t> </a:t>
-            </a:r>
-            <a:endParaRPr lang="pt-BR" sz="2000" dirty="0">
-              <a:solidFill>
-                <a:srgbClr val="0071B0"/>
-              </a:solidFill>
-              <a:highlight>
-                <a:srgbClr val="FCA838"/>
-              </a:highlight>
-            </a:endParaRPr>
-          </a:p>
-        </p:txBody>
-      </p:sp>
+      </p:pic>
+      <p:pic>
+        <p:nvPicPr>
+          <p:cNvPr id="15" name="Imagen 14">
+            <a:extLst>
+              <a:ext uri="{FF2B5EF4-FFF2-40B4-BE49-F238E27FC236}">
+                <a16:creationId xmlns:a16="http://schemas.microsoft.com/office/drawing/2014/main" id="{416DE3BB-E76D-6075-4CF0-AF9F0105AF4B}"/>
+              </a:ext>
+            </a:extLst>
+          </p:cNvPr>
+          <p:cNvPicPr>
+            <a:picLocks noChangeAspect="1"/>
+          </p:cNvPicPr>
+          <p:nvPr/>
+        </p:nvPicPr>
+        <p:blipFill>
+          <a:blip r:embed="rId3"/>
+          <a:stretch>
+            <a:fillRect/>
+          </a:stretch>
+        </p:blipFill>
+        <p:spPr>
+          <a:xfrm>
+            <a:off x="5982152" y="1096950"/>
+            <a:ext cx="6209848" cy="5458130"/>
+          </a:xfrm>
+          <a:prstGeom prst="rect">
+            <a:avLst/>
+          </a:prstGeom>
+        </p:spPr>
+      </p:pic>
     </p:spTree>
   </p:cSld>
   <p:clrMapOvr>

--- a/MyPersonalBankAPI/docs/R8 - Reto Caso Práctico [Equipo 2] - MyPersonalBank API.pptx
+++ b/MyPersonalBankAPI/docs/R8 - Reto Caso Práctico [Equipo 2] - MyPersonalBank API.pptx
@@ -186,7 +186,7 @@
           <a:p>
             <a:fld id="{1D8BD707-D9CF-40AE-B4C6-C98DA3205C09}" type="datetimeFigureOut">
               <a:rPr lang="en-US"/>
-              <a:t>2/21/2024</a:t>
+              <a:t>2/24/2024</a:t>
             </a:fld>
             <a:endParaRPr lang="en-US"/>
           </a:p>
@@ -458,7 +458,7 @@
           <a:p>
             <a:fld id="{1D8BD707-D9CF-40AE-B4C6-C98DA3205C09}" type="datetimeFigureOut">
               <a:rPr lang="en-US"/>
-              <a:t>2/21/2024</a:t>
+              <a:t>2/24/2024</a:t>
             </a:fld>
             <a:endParaRPr lang="en-US"/>
           </a:p>
@@ -806,7 +806,7 @@
           <a:p>
             <a:fld id="{1D8BD707-D9CF-40AE-B4C6-C98DA3205C09}" type="datetimeFigureOut">
               <a:rPr lang="en-US"/>
-              <a:t>2/21/2024</a:t>
+              <a:t>2/24/2024</a:t>
             </a:fld>
             <a:endParaRPr lang="en-US"/>
           </a:p>
@@ -2910,7 +2910,7 @@
           <a:p>
             <a:fld id="{1D8BD707-D9CF-40AE-B4C6-C98DA3205C09}" type="datetimeFigureOut">
               <a:rPr lang="en-US"/>
-              <a:t>2/21/2024</a:t>
+              <a:t>2/24/2024</a:t>
             </a:fld>
             <a:endParaRPr lang="en-US"/>
           </a:p>
@@ -4293,7 +4293,7 @@
           <a:p>
             <a:fld id="{101F0A06-FD9F-406F-98C7-9C5E6D949568}" type="datetimeFigureOut">
               <a:rPr lang="es-ES" smtClean="0"/>
-              <a:t>21/02/2024</a:t>
+              <a:t>24/02/2024</a:t>
             </a:fld>
             <a:endParaRPr lang="es-ES"/>
           </a:p>
@@ -4483,7 +4483,7 @@
           <a:p>
             <a:fld id="{1D8BD707-D9CF-40AE-B4C6-C98DA3205C09}" type="datetimeFigureOut">
               <a:rPr lang="en-US"/>
-              <a:t>2/21/2024</a:t>
+              <a:t>2/24/2024</a:t>
             </a:fld>
             <a:endParaRPr lang="en-US"/>
           </a:p>
@@ -4711,7 +4711,7 @@
           <a:p>
             <a:fld id="{1D8BD707-D9CF-40AE-B4C6-C98DA3205C09}" type="datetimeFigureOut">
               <a:rPr lang="en-US"/>
-              <a:t>2/21/2024</a:t>
+              <a:t>2/24/2024</a:t>
             </a:fld>
             <a:endParaRPr lang="en-US"/>
           </a:p>
@@ -4926,7 +4926,7 @@
           <a:p>
             <a:fld id="{1D8BD707-D9CF-40AE-B4C6-C98DA3205C09}" type="datetimeFigureOut">
               <a:rPr lang="en-US"/>
-              <a:t>2/21/2024</a:t>
+              <a:t>2/24/2024</a:t>
             </a:fld>
             <a:endParaRPr lang="en-US"/>
           </a:p>
@@ -5054,7 +5054,7 @@
           <a:p>
             <a:fld id="{1D8BD707-D9CF-40AE-B4C6-C98DA3205C09}" type="datetimeFigureOut">
               <a:rPr lang="en-US"/>
-              <a:t>2/21/2024</a:t>
+              <a:t>2/24/2024</a:t>
             </a:fld>
             <a:endParaRPr lang="en-US"/>
           </a:p>
@@ -5512,7 +5512,7 @@
           <a:p>
             <a:fld id="{1D8BD707-D9CF-40AE-B4C6-C98DA3205C09}" type="datetimeFigureOut">
               <a:rPr lang="en-US"/>
-              <a:t>2/21/2024</a:t>
+              <a:t>2/24/2024</a:t>
             </a:fld>
             <a:endParaRPr lang="en-US"/>
           </a:p>
@@ -5723,7 +5723,7 @@
           <a:p>
             <a:fld id="{1D8BD707-D9CF-40AE-B4C6-C98DA3205C09}" type="datetimeFigureOut">
               <a:rPr lang="en-US"/>
-              <a:t>2/21/2024</a:t>
+              <a:t>2/24/2024</a:t>
             </a:fld>
             <a:endParaRPr lang="en-US"/>
           </a:p>
@@ -5977,7 +5977,7 @@
           <a:p>
             <a:fld id="{1D8BD707-D9CF-40AE-B4C6-C98DA3205C09}" type="datetimeFigureOut">
               <a:rPr lang="en-US"/>
-              <a:t>2/21/2024</a:t>
+              <a:t>2/24/2024</a:t>
             </a:fld>
             <a:endParaRPr lang="en-US"/>
           </a:p>
@@ -6205,7 +6205,7 @@
           <a:p>
             <a:fld id="{1D8BD707-D9CF-40AE-B4C6-C98DA3205C09}" type="datetimeFigureOut">
               <a:rPr lang="en-US"/>
-              <a:t>2/21/2024</a:t>
+              <a:t>2/24/2024</a:t>
             </a:fld>
             <a:endParaRPr lang="en-US"/>
           </a:p>
@@ -6625,7 +6625,7 @@
           <a:p>
             <a:fld id="{1D8BD707-D9CF-40AE-B4C6-C98DA3205C09}" type="datetimeFigureOut">
               <a:rPr lang="en-US"/>
-              <a:t>2/21/2024</a:t>
+              <a:t>2/24/2024</a:t>
             </a:fld>
             <a:endParaRPr lang="en-US"/>
           </a:p>
@@ -9909,7 +9909,7 @@
         </p:blipFill>
         <p:spPr>
           <a:xfrm>
-            <a:off x="0" y="1376619"/>
+            <a:off x="0" y="2524638"/>
             <a:ext cx="6060233" cy="4104762"/>
           </a:xfrm>
           <a:prstGeom prst="rect">
@@ -9941,6 +9941,36 @@
           <a:xfrm>
             <a:off x="5982152" y="1096950"/>
             <a:ext cx="6209848" cy="5458130"/>
+          </a:xfrm>
+          <a:prstGeom prst="rect">
+            <a:avLst/>
+          </a:prstGeom>
+        </p:spPr>
+      </p:pic>
+      <p:pic>
+        <p:nvPicPr>
+          <p:cNvPr id="5" name="Imagen 4">
+            <a:extLst>
+              <a:ext uri="{FF2B5EF4-FFF2-40B4-BE49-F238E27FC236}">
+                <a16:creationId xmlns:a16="http://schemas.microsoft.com/office/drawing/2014/main" id="{62BE097C-C4FC-2B6F-15A4-6A1707BC35C7}"/>
+              </a:ext>
+            </a:extLst>
+          </p:cNvPr>
+          <p:cNvPicPr>
+            <a:picLocks noChangeAspect="1"/>
+          </p:cNvPicPr>
+          <p:nvPr/>
+        </p:nvPicPr>
+        <p:blipFill>
+          <a:blip r:embed="rId4"/>
+          <a:stretch>
+            <a:fillRect/>
+          </a:stretch>
+        </p:blipFill>
+        <p:spPr>
+          <a:xfrm>
+            <a:off x="76200" y="951424"/>
+            <a:ext cx="5876925" cy="1704975"/>
           </a:xfrm>
           <a:prstGeom prst="rect">
             <a:avLst/>

--- a/MyPersonalBankAPI/docs/R8 - Reto Caso Práctico [Equipo 2] - MyPersonalBank API.pptx
+++ b/MyPersonalBankAPI/docs/R8 - Reto Caso Práctico [Equipo 2] - MyPersonalBank API.pptx
@@ -186,7 +186,7 @@
           <a:p>
             <a:fld id="{1D8BD707-D9CF-40AE-B4C6-C98DA3205C09}" type="datetimeFigureOut">
               <a:rPr lang="en-US"/>
-              <a:t>2/24/2024</a:t>
+              <a:t>2/25/2024</a:t>
             </a:fld>
             <a:endParaRPr lang="en-US"/>
           </a:p>
@@ -458,7 +458,7 @@
           <a:p>
             <a:fld id="{1D8BD707-D9CF-40AE-B4C6-C98DA3205C09}" type="datetimeFigureOut">
               <a:rPr lang="en-US"/>
-              <a:t>2/24/2024</a:t>
+              <a:t>2/25/2024</a:t>
             </a:fld>
             <a:endParaRPr lang="en-US"/>
           </a:p>
@@ -806,7 +806,7 @@
           <a:p>
             <a:fld id="{1D8BD707-D9CF-40AE-B4C6-C98DA3205C09}" type="datetimeFigureOut">
               <a:rPr lang="en-US"/>
-              <a:t>2/24/2024</a:t>
+              <a:t>2/25/2024</a:t>
             </a:fld>
             <a:endParaRPr lang="en-US"/>
           </a:p>
@@ -2910,7 +2910,7 @@
           <a:p>
             <a:fld id="{1D8BD707-D9CF-40AE-B4C6-C98DA3205C09}" type="datetimeFigureOut">
               <a:rPr lang="en-US"/>
-              <a:t>2/24/2024</a:t>
+              <a:t>2/25/2024</a:t>
             </a:fld>
             <a:endParaRPr lang="en-US"/>
           </a:p>
@@ -4293,7 +4293,7 @@
           <a:p>
             <a:fld id="{101F0A06-FD9F-406F-98C7-9C5E6D949568}" type="datetimeFigureOut">
               <a:rPr lang="es-ES" smtClean="0"/>
-              <a:t>24/02/2024</a:t>
+              <a:t>25/02/2024</a:t>
             </a:fld>
             <a:endParaRPr lang="es-ES"/>
           </a:p>
@@ -4483,7 +4483,7 @@
           <a:p>
             <a:fld id="{1D8BD707-D9CF-40AE-B4C6-C98DA3205C09}" type="datetimeFigureOut">
               <a:rPr lang="en-US"/>
-              <a:t>2/24/2024</a:t>
+              <a:t>2/25/2024</a:t>
             </a:fld>
             <a:endParaRPr lang="en-US"/>
           </a:p>
@@ -4711,7 +4711,7 @@
           <a:p>
             <a:fld id="{1D8BD707-D9CF-40AE-B4C6-C98DA3205C09}" type="datetimeFigureOut">
               <a:rPr lang="en-US"/>
-              <a:t>2/24/2024</a:t>
+              <a:t>2/25/2024</a:t>
             </a:fld>
             <a:endParaRPr lang="en-US"/>
           </a:p>
@@ -4926,7 +4926,7 @@
           <a:p>
             <a:fld id="{1D8BD707-D9CF-40AE-B4C6-C98DA3205C09}" type="datetimeFigureOut">
               <a:rPr lang="en-US"/>
-              <a:t>2/24/2024</a:t>
+              <a:t>2/25/2024</a:t>
             </a:fld>
             <a:endParaRPr lang="en-US"/>
           </a:p>
@@ -5054,7 +5054,7 @@
           <a:p>
             <a:fld id="{1D8BD707-D9CF-40AE-B4C6-C98DA3205C09}" type="datetimeFigureOut">
               <a:rPr lang="en-US"/>
-              <a:t>2/24/2024</a:t>
+              <a:t>2/25/2024</a:t>
             </a:fld>
             <a:endParaRPr lang="en-US"/>
           </a:p>
@@ -5512,7 +5512,7 @@
           <a:p>
             <a:fld id="{1D8BD707-D9CF-40AE-B4C6-C98DA3205C09}" type="datetimeFigureOut">
               <a:rPr lang="en-US"/>
-              <a:t>2/24/2024</a:t>
+              <a:t>2/25/2024</a:t>
             </a:fld>
             <a:endParaRPr lang="en-US"/>
           </a:p>
@@ -5723,7 +5723,7 @@
           <a:p>
             <a:fld id="{1D8BD707-D9CF-40AE-B4C6-C98DA3205C09}" type="datetimeFigureOut">
               <a:rPr lang="en-US"/>
-              <a:t>2/24/2024</a:t>
+              <a:t>2/25/2024</a:t>
             </a:fld>
             <a:endParaRPr lang="en-US"/>
           </a:p>
@@ -5977,7 +5977,7 @@
           <a:p>
             <a:fld id="{1D8BD707-D9CF-40AE-B4C6-C98DA3205C09}" type="datetimeFigureOut">
               <a:rPr lang="en-US"/>
-              <a:t>2/24/2024</a:t>
+              <a:t>2/25/2024</a:t>
             </a:fld>
             <a:endParaRPr lang="en-US"/>
           </a:p>
@@ -6205,7 +6205,7 @@
           <a:p>
             <a:fld id="{1D8BD707-D9CF-40AE-B4C6-C98DA3205C09}" type="datetimeFigureOut">
               <a:rPr lang="en-US"/>
-              <a:t>2/24/2024</a:t>
+              <a:t>2/25/2024</a:t>
             </a:fld>
             <a:endParaRPr lang="en-US"/>
           </a:p>
@@ -6625,7 +6625,7 @@
           <a:p>
             <a:fld id="{1D8BD707-D9CF-40AE-B4C6-C98DA3205C09}" type="datetimeFigureOut">
               <a:rPr lang="en-US"/>
-              <a:t>2/24/2024</a:t>
+              <a:t>2/25/2024</a:t>
             </a:fld>
             <a:endParaRPr lang="en-US"/>
           </a:p>
@@ -9889,10 +9889,10 @@
       </p:sp>
       <p:pic>
         <p:nvPicPr>
-          <p:cNvPr id="13" name="Imagen 12">
+          <p:cNvPr id="5" name="Imagen 4">
             <a:extLst>
               <a:ext uri="{FF2B5EF4-FFF2-40B4-BE49-F238E27FC236}">
-                <a16:creationId xmlns:a16="http://schemas.microsoft.com/office/drawing/2014/main" id="{A0F61C87-4B1B-FDC4-261B-8D56675B0CD3}"/>
+                <a16:creationId xmlns:a16="http://schemas.microsoft.com/office/drawing/2014/main" id="{62BE097C-C4FC-2B6F-15A4-6A1707BC35C7}"/>
               </a:ext>
             </a:extLst>
           </p:cNvPr>
@@ -9909,8 +9909,8 @@
         </p:blipFill>
         <p:spPr>
           <a:xfrm>
-            <a:off x="0" y="2524638"/>
-            <a:ext cx="6060233" cy="4104762"/>
+            <a:off x="76200" y="951424"/>
+            <a:ext cx="5876925" cy="1704975"/>
           </a:xfrm>
           <a:prstGeom prst="rect">
             <a:avLst/>
@@ -9919,10 +9919,10 @@
       </p:pic>
       <p:pic>
         <p:nvPicPr>
-          <p:cNvPr id="15" name="Imagen 14">
+          <p:cNvPr id="6" name="Imagen 5">
             <a:extLst>
               <a:ext uri="{FF2B5EF4-FFF2-40B4-BE49-F238E27FC236}">
-                <a16:creationId xmlns:a16="http://schemas.microsoft.com/office/drawing/2014/main" id="{416DE3BB-E76D-6075-4CF0-AF9F0105AF4B}"/>
+                <a16:creationId xmlns:a16="http://schemas.microsoft.com/office/drawing/2014/main" id="{E8AD75B0-A099-E615-55DA-F46023D98395}"/>
               </a:ext>
             </a:extLst>
           </p:cNvPr>
@@ -9939,8 +9939,8 @@
         </p:blipFill>
         <p:spPr>
           <a:xfrm>
-            <a:off x="5982152" y="1096950"/>
-            <a:ext cx="6209848" cy="5458130"/>
+            <a:off x="17017" y="2648000"/>
+            <a:ext cx="5965135" cy="3980952"/>
           </a:xfrm>
           <a:prstGeom prst="rect">
             <a:avLst/>
@@ -9949,10 +9949,10 @@
       </p:pic>
       <p:pic>
         <p:nvPicPr>
-          <p:cNvPr id="5" name="Imagen 4">
+          <p:cNvPr id="8" name="Imagen 7">
             <a:extLst>
               <a:ext uri="{FF2B5EF4-FFF2-40B4-BE49-F238E27FC236}">
-                <a16:creationId xmlns:a16="http://schemas.microsoft.com/office/drawing/2014/main" id="{62BE097C-C4FC-2B6F-15A4-6A1707BC35C7}"/>
+                <a16:creationId xmlns:a16="http://schemas.microsoft.com/office/drawing/2014/main" id="{620623C7-898D-8554-2CC3-6D513FAD78B3}"/>
               </a:ext>
             </a:extLst>
           </p:cNvPr>
@@ -9969,8 +9969,8 @@
         </p:blipFill>
         <p:spPr>
           <a:xfrm>
-            <a:off x="76200" y="951424"/>
-            <a:ext cx="5876925" cy="1704975"/>
+            <a:off x="6108441" y="1217261"/>
+            <a:ext cx="6066542" cy="5348136"/>
           </a:xfrm>
           <a:prstGeom prst="rect">
             <a:avLst/>
